--- a/Attachments/C# 10.pptx
+++ b/Attachments/C# 10.pptx
@@ -170,7 +170,7 @@
           <p:cNvPr id="2" name="Header Placeholder 1">
             <a:extLst>
               <a:ext uri="{FF2B5EF4-FFF2-40B4-BE49-F238E27FC236}">
-                <a16:creationId xmlns:a16="http://schemas.microsoft.com/office/drawing/2014/main" id="{B0CDFD5C-8073-48CD-A3CC-1A2BBDA7E684}"/>
+                <a16:creationId xmlns:a16="http://schemas.microsoft.com/office/drawing/2014/main" xmlns="" id="{B0CDFD5C-8073-48CD-A3CC-1A2BBDA7E684}"/>
               </a:ext>
             </a:extLst>
           </p:cNvPr>
@@ -207,7 +207,7 @@
           <p:cNvPr id="3" name="Date Placeholder 2">
             <a:extLst>
               <a:ext uri="{FF2B5EF4-FFF2-40B4-BE49-F238E27FC236}">
-                <a16:creationId xmlns:a16="http://schemas.microsoft.com/office/drawing/2014/main" id="{726A492D-C335-4555-A446-EA77A2770732}"/>
+                <a16:creationId xmlns:a16="http://schemas.microsoft.com/office/drawing/2014/main" xmlns="" id="{726A492D-C335-4555-A446-EA77A2770732}"/>
               </a:ext>
             </a:extLst>
           </p:cNvPr>
@@ -237,7 +237,7 @@
           <a:p>
             <a:fld id="{47075BF9-698D-4FCA-A858-805139CFB738}" type="datetimeFigureOut">
               <a:rPr lang="en-IN" smtClean="0"/>
-              <a:t>02-01-2022</a:t>
+              <a:t>03-01-2022</a:t>
             </a:fld>
             <a:endParaRPr lang="en-IN"/>
           </a:p>
@@ -248,7 +248,7 @@
           <p:cNvPr id="4" name="Footer Placeholder 3">
             <a:extLst>
               <a:ext uri="{FF2B5EF4-FFF2-40B4-BE49-F238E27FC236}">
-                <a16:creationId xmlns:a16="http://schemas.microsoft.com/office/drawing/2014/main" id="{8D1BAB4C-3E8C-49CF-B425-52D5D20B700F}"/>
+                <a16:creationId xmlns:a16="http://schemas.microsoft.com/office/drawing/2014/main" xmlns="" id="{8D1BAB4C-3E8C-49CF-B425-52D5D20B700F}"/>
               </a:ext>
             </a:extLst>
           </p:cNvPr>
@@ -285,7 +285,7 @@
           <p:cNvPr id="5" name="Slide Number Placeholder 4">
             <a:extLst>
               <a:ext uri="{FF2B5EF4-FFF2-40B4-BE49-F238E27FC236}">
-                <a16:creationId xmlns:a16="http://schemas.microsoft.com/office/drawing/2014/main" id="{499C1B7E-81C5-42AF-B877-E392B433BBDC}"/>
+                <a16:creationId xmlns:a16="http://schemas.microsoft.com/office/drawing/2014/main" xmlns="" id="{499C1B7E-81C5-42AF-B877-E392B433BBDC}"/>
               </a:ext>
             </a:extLst>
           </p:cNvPr>
@@ -415,7 +415,7 @@
             <a:fld id="{7AB488F7-1FAC-40D2-BB7E-BA3CE28D8950}" type="datetimeFigureOut">
               <a:rPr lang="en-US" smtClean="0"/>
               <a:pPr/>
-              <a:t>1/2/2022</a:t>
+              <a:t>1/3/2022</a:t>
             </a:fld>
             <a:endParaRPr lang="en-US"/>
           </a:p>
@@ -1814,7 +1814,7 @@
             <a:fld id="{9578D6DB-6798-42D2-B9AD-FC6F1C72FC30}" type="datetimeFigureOut">
               <a:rPr lang="en-US" smtClean="0"/>
               <a:pPr/>
-              <a:t>1/2/2022</a:t>
+              <a:t>1/3/2022</a:t>
             </a:fld>
             <a:endParaRPr lang="en-US"/>
           </a:p>
@@ -1868,7 +1868,7 @@
           <p:cNvPr id="10" name="Picture Placeholder 9">
             <a:extLst>
               <a:ext uri="{FF2B5EF4-FFF2-40B4-BE49-F238E27FC236}">
-                <a16:creationId xmlns:a16="http://schemas.microsoft.com/office/drawing/2014/main" id="{9A8FF3D8-C23D-4382-A4F2-01A53DC07645}"/>
+                <a16:creationId xmlns:a16="http://schemas.microsoft.com/office/drawing/2014/main" xmlns="" id="{9A8FF3D8-C23D-4382-A4F2-01A53DC07645}"/>
               </a:ext>
             </a:extLst>
           </p:cNvPr>
@@ -1977,7 +1977,7 @@
           <p:cNvPr id="17" name="Subtitle 2">
             <a:extLst>
               <a:ext uri="{FF2B5EF4-FFF2-40B4-BE49-F238E27FC236}">
-                <a16:creationId xmlns:a16="http://schemas.microsoft.com/office/drawing/2014/main" id="{1533DCF7-E82F-4B49-9E95-65ACDAD59CA4}"/>
+                <a16:creationId xmlns:a16="http://schemas.microsoft.com/office/drawing/2014/main" xmlns="" id="{1533DCF7-E82F-4B49-9E95-65ACDAD59CA4}"/>
               </a:ext>
             </a:extLst>
           </p:cNvPr>
@@ -2134,7 +2134,7 @@
           <p:cNvPr id="27" name="Freeform: Shape 26">
             <a:extLst>
               <a:ext uri="{FF2B5EF4-FFF2-40B4-BE49-F238E27FC236}">
-                <a16:creationId xmlns:a16="http://schemas.microsoft.com/office/drawing/2014/main" id="{6E77CB15-149B-405A-9AAF-27226725F8A2}"/>
+                <a16:creationId xmlns:a16="http://schemas.microsoft.com/office/drawing/2014/main" xmlns="" id="{6E77CB15-149B-405A-9AAF-27226725F8A2}"/>
               </a:ext>
             </a:extLst>
           </p:cNvPr>
@@ -2271,7 +2271,7 @@
           <p:cNvPr id="18" name="Rectangle 6">
             <a:extLst>
               <a:ext uri="{FF2B5EF4-FFF2-40B4-BE49-F238E27FC236}">
-                <a16:creationId xmlns:a16="http://schemas.microsoft.com/office/drawing/2014/main" id="{E8CC3AB4-5427-42E6-9BD7-A2E370B48B40}"/>
+                <a16:creationId xmlns:a16="http://schemas.microsoft.com/office/drawing/2014/main" xmlns="" id="{E8CC3AB4-5427-42E6-9BD7-A2E370B48B40}"/>
               </a:ext>
             </a:extLst>
           </p:cNvPr>
@@ -2409,7 +2409,7 @@
           <p:cNvPr id="14" name="Picture Placeholder 13">
             <a:extLst>
               <a:ext uri="{FF2B5EF4-FFF2-40B4-BE49-F238E27FC236}">
-                <a16:creationId xmlns:a16="http://schemas.microsoft.com/office/drawing/2014/main" id="{5EE6C5C1-A3A7-46C0-98AA-DC3AB901D7E3}"/>
+                <a16:creationId xmlns:a16="http://schemas.microsoft.com/office/drawing/2014/main" xmlns="" id="{5EE6C5C1-A3A7-46C0-98AA-DC3AB901D7E3}"/>
               </a:ext>
             </a:extLst>
           </p:cNvPr>
@@ -2705,7 +2705,7 @@
           <p:cNvPr id="8" name="Group 7">
             <a:extLst>
               <a:ext uri="{FF2B5EF4-FFF2-40B4-BE49-F238E27FC236}">
-                <a16:creationId xmlns:a16="http://schemas.microsoft.com/office/drawing/2014/main" id="{FE7B457D-0EC5-4995-AD08-37350729CBFA}"/>
+                <a16:creationId xmlns:a16="http://schemas.microsoft.com/office/drawing/2014/main" xmlns="" id="{FE7B457D-0EC5-4995-AD08-37350729CBFA}"/>
               </a:ext>
             </a:extLst>
           </p:cNvPr>
@@ -2728,7 +2728,7 @@
             <p:cNvPr id="9" name="Freeform 11">
               <a:extLst>
                 <a:ext uri="{FF2B5EF4-FFF2-40B4-BE49-F238E27FC236}">
-                  <a16:creationId xmlns:a16="http://schemas.microsoft.com/office/drawing/2014/main" id="{04DE74C2-EA2E-499A-9126-D82CA9109329}"/>
+                  <a16:creationId xmlns:a16="http://schemas.microsoft.com/office/drawing/2014/main" xmlns="" id="{04DE74C2-EA2E-499A-9126-D82CA9109329}"/>
                 </a:ext>
               </a:extLst>
             </p:cNvPr>
@@ -3646,7 +3646,7 @@
             <p:cNvPr id="10" name="Oval 9">
               <a:extLst>
                 <a:ext uri="{FF2B5EF4-FFF2-40B4-BE49-F238E27FC236}">
-                  <a16:creationId xmlns:a16="http://schemas.microsoft.com/office/drawing/2014/main" id="{6AA8D3FD-56B0-4B0D-8079-0369E9EB7CA4}"/>
+                  <a16:creationId xmlns:a16="http://schemas.microsoft.com/office/drawing/2014/main" xmlns="" id="{6AA8D3FD-56B0-4B0D-8079-0369E9EB7CA4}"/>
                 </a:ext>
               </a:extLst>
             </p:cNvPr>
@@ -3729,7 +3729,7 @@
           <p:cNvPr id="15" name="Freeform: Shape 14">
             <a:extLst>
               <a:ext uri="{FF2B5EF4-FFF2-40B4-BE49-F238E27FC236}">
-                <a16:creationId xmlns:a16="http://schemas.microsoft.com/office/drawing/2014/main" id="{30B01564-7A7A-4A48-8493-0E0049385470}"/>
+                <a16:creationId xmlns:a16="http://schemas.microsoft.com/office/drawing/2014/main" xmlns="" id="{30B01564-7A7A-4A48-8493-0E0049385470}"/>
               </a:ext>
             </a:extLst>
           </p:cNvPr>
@@ -3866,7 +3866,7 @@
           <p:cNvPr id="16" name="Group 15">
             <a:extLst>
               <a:ext uri="{FF2B5EF4-FFF2-40B4-BE49-F238E27FC236}">
-                <a16:creationId xmlns:a16="http://schemas.microsoft.com/office/drawing/2014/main" id="{16733C37-77C4-4975-8A16-B8B95F2A80EA}"/>
+                <a16:creationId xmlns:a16="http://schemas.microsoft.com/office/drawing/2014/main" xmlns="" id="{16733C37-77C4-4975-8A16-B8B95F2A80EA}"/>
               </a:ext>
             </a:extLst>
           </p:cNvPr>
@@ -3889,7 +3889,7 @@
             <p:cNvPr id="17" name="Freeform 11">
               <a:extLst>
                 <a:ext uri="{FF2B5EF4-FFF2-40B4-BE49-F238E27FC236}">
-                  <a16:creationId xmlns:a16="http://schemas.microsoft.com/office/drawing/2014/main" id="{9F98A06C-4E5D-4066-8257-C303FF03E158}"/>
+                  <a16:creationId xmlns:a16="http://schemas.microsoft.com/office/drawing/2014/main" xmlns="" id="{9F98A06C-4E5D-4066-8257-C303FF03E158}"/>
                 </a:ext>
               </a:extLst>
             </p:cNvPr>
@@ -4807,7 +4807,7 @@
             <p:cNvPr id="18" name="Oval 17">
               <a:extLst>
                 <a:ext uri="{FF2B5EF4-FFF2-40B4-BE49-F238E27FC236}">
-                  <a16:creationId xmlns:a16="http://schemas.microsoft.com/office/drawing/2014/main" id="{4E9BE5B4-729B-4258-A0C6-94469CC57706}"/>
+                  <a16:creationId xmlns:a16="http://schemas.microsoft.com/office/drawing/2014/main" xmlns="" id="{4E9BE5B4-729B-4258-A0C6-94469CC57706}"/>
                 </a:ext>
               </a:extLst>
             </p:cNvPr>
@@ -4895,7 +4895,7 @@
           <p:cNvPr id="11" name="Rectangle 6">
             <a:extLst>
               <a:ext uri="{FF2B5EF4-FFF2-40B4-BE49-F238E27FC236}">
-                <a16:creationId xmlns:a16="http://schemas.microsoft.com/office/drawing/2014/main" id="{058A6222-F59B-4E0D-B1BB-3683C6826A1E}"/>
+                <a16:creationId xmlns:a16="http://schemas.microsoft.com/office/drawing/2014/main" xmlns="" id="{058A6222-F59B-4E0D-B1BB-3683C6826A1E}"/>
               </a:ext>
             </a:extLst>
           </p:cNvPr>
@@ -5033,7 +5033,7 @@
           <p:cNvPr id="12" name="Footer Placeholder 3">
             <a:extLst>
               <a:ext uri="{FF2B5EF4-FFF2-40B4-BE49-F238E27FC236}">
-                <a16:creationId xmlns:a16="http://schemas.microsoft.com/office/drawing/2014/main" id="{3DCC2190-2523-4D93-BEA1-7F4291A0872C}"/>
+                <a16:creationId xmlns:a16="http://schemas.microsoft.com/office/drawing/2014/main" xmlns="" id="{3DCC2190-2523-4D93-BEA1-7F4291A0872C}"/>
               </a:ext>
             </a:extLst>
           </p:cNvPr>
@@ -5073,7 +5073,7 @@
           <p:cNvPr id="13" name="Slide Number Placeholder 4">
             <a:extLst>
               <a:ext uri="{FF2B5EF4-FFF2-40B4-BE49-F238E27FC236}">
-                <a16:creationId xmlns:a16="http://schemas.microsoft.com/office/drawing/2014/main" id="{8863E583-229D-4184-95B0-BA45F3BF9476}"/>
+                <a16:creationId xmlns:a16="http://schemas.microsoft.com/office/drawing/2014/main" xmlns="" id="{8863E583-229D-4184-95B0-BA45F3BF9476}"/>
               </a:ext>
             </a:extLst>
           </p:cNvPr>
@@ -5148,7 +5148,7 @@
           <p:cNvPr id="15" name="Freeform: Shape 14">
             <a:extLst>
               <a:ext uri="{FF2B5EF4-FFF2-40B4-BE49-F238E27FC236}">
-                <a16:creationId xmlns:a16="http://schemas.microsoft.com/office/drawing/2014/main" id="{30B01564-7A7A-4A48-8493-0E0049385470}"/>
+                <a16:creationId xmlns:a16="http://schemas.microsoft.com/office/drawing/2014/main" xmlns="" id="{30B01564-7A7A-4A48-8493-0E0049385470}"/>
               </a:ext>
             </a:extLst>
           </p:cNvPr>
@@ -5285,7 +5285,7 @@
           <p:cNvPr id="16" name="Group 15">
             <a:extLst>
               <a:ext uri="{FF2B5EF4-FFF2-40B4-BE49-F238E27FC236}">
-                <a16:creationId xmlns:a16="http://schemas.microsoft.com/office/drawing/2014/main" id="{16733C37-77C4-4975-8A16-B8B95F2A80EA}"/>
+                <a16:creationId xmlns:a16="http://schemas.microsoft.com/office/drawing/2014/main" xmlns="" id="{16733C37-77C4-4975-8A16-B8B95F2A80EA}"/>
               </a:ext>
             </a:extLst>
           </p:cNvPr>
@@ -5308,7 +5308,7 @@
             <p:cNvPr id="17" name="Freeform 11">
               <a:extLst>
                 <a:ext uri="{FF2B5EF4-FFF2-40B4-BE49-F238E27FC236}">
-                  <a16:creationId xmlns:a16="http://schemas.microsoft.com/office/drawing/2014/main" id="{9F98A06C-4E5D-4066-8257-C303FF03E158}"/>
+                  <a16:creationId xmlns:a16="http://schemas.microsoft.com/office/drawing/2014/main" xmlns="" id="{9F98A06C-4E5D-4066-8257-C303FF03E158}"/>
                 </a:ext>
               </a:extLst>
             </p:cNvPr>
@@ -6226,7 +6226,7 @@
             <p:cNvPr id="18" name="Oval 17">
               <a:extLst>
                 <a:ext uri="{FF2B5EF4-FFF2-40B4-BE49-F238E27FC236}">
-                  <a16:creationId xmlns:a16="http://schemas.microsoft.com/office/drawing/2014/main" id="{4E9BE5B4-729B-4258-A0C6-94469CC57706}"/>
+                  <a16:creationId xmlns:a16="http://schemas.microsoft.com/office/drawing/2014/main" xmlns="" id="{4E9BE5B4-729B-4258-A0C6-94469CC57706}"/>
                 </a:ext>
               </a:extLst>
             </p:cNvPr>
@@ -6314,7 +6314,7 @@
           <p:cNvPr id="11" name="Rectangle 6">
             <a:extLst>
               <a:ext uri="{FF2B5EF4-FFF2-40B4-BE49-F238E27FC236}">
-                <a16:creationId xmlns:a16="http://schemas.microsoft.com/office/drawing/2014/main" id="{058A6222-F59B-4E0D-B1BB-3683C6826A1E}"/>
+                <a16:creationId xmlns:a16="http://schemas.microsoft.com/office/drawing/2014/main" xmlns="" id="{058A6222-F59B-4E0D-B1BB-3683C6826A1E}"/>
               </a:ext>
             </a:extLst>
           </p:cNvPr>
@@ -6452,7 +6452,7 @@
           <p:cNvPr id="12" name="Footer Placeholder 3">
             <a:extLst>
               <a:ext uri="{FF2B5EF4-FFF2-40B4-BE49-F238E27FC236}">
-                <a16:creationId xmlns:a16="http://schemas.microsoft.com/office/drawing/2014/main" id="{3DCC2190-2523-4D93-BEA1-7F4291A0872C}"/>
+                <a16:creationId xmlns:a16="http://schemas.microsoft.com/office/drawing/2014/main" xmlns="" id="{3DCC2190-2523-4D93-BEA1-7F4291A0872C}"/>
               </a:ext>
             </a:extLst>
           </p:cNvPr>
@@ -6492,7 +6492,7 @@
           <p:cNvPr id="13" name="Slide Number Placeholder 4">
             <a:extLst>
               <a:ext uri="{FF2B5EF4-FFF2-40B4-BE49-F238E27FC236}">
-                <a16:creationId xmlns:a16="http://schemas.microsoft.com/office/drawing/2014/main" id="{8863E583-229D-4184-95B0-BA45F3BF9476}"/>
+                <a16:creationId xmlns:a16="http://schemas.microsoft.com/office/drawing/2014/main" xmlns="" id="{8863E583-229D-4184-95B0-BA45F3BF9476}"/>
               </a:ext>
             </a:extLst>
           </p:cNvPr>
@@ -6537,7 +6537,7 @@
           <p:cNvPr id="10" name="Picture Placeholder 2">
             <a:extLst>
               <a:ext uri="{FF2B5EF4-FFF2-40B4-BE49-F238E27FC236}">
-                <a16:creationId xmlns:a16="http://schemas.microsoft.com/office/drawing/2014/main" id="{188A766F-913B-4572-9CB6-51EEF05C68D9}"/>
+                <a16:creationId xmlns:a16="http://schemas.microsoft.com/office/drawing/2014/main" xmlns="" id="{188A766F-913B-4572-9CB6-51EEF05C68D9}"/>
               </a:ext>
             </a:extLst>
           </p:cNvPr>
@@ -6603,7 +6603,7 @@
           <p:cNvPr id="15" name="Freeform: Shape 14">
             <a:extLst>
               <a:ext uri="{FF2B5EF4-FFF2-40B4-BE49-F238E27FC236}">
-                <a16:creationId xmlns:a16="http://schemas.microsoft.com/office/drawing/2014/main" id="{30B01564-7A7A-4A48-8493-0E0049385470}"/>
+                <a16:creationId xmlns:a16="http://schemas.microsoft.com/office/drawing/2014/main" xmlns="" id="{30B01564-7A7A-4A48-8493-0E0049385470}"/>
               </a:ext>
             </a:extLst>
           </p:cNvPr>
@@ -6740,7 +6740,7 @@
           <p:cNvPr id="16" name="Group 15">
             <a:extLst>
               <a:ext uri="{FF2B5EF4-FFF2-40B4-BE49-F238E27FC236}">
-                <a16:creationId xmlns:a16="http://schemas.microsoft.com/office/drawing/2014/main" id="{16733C37-77C4-4975-8A16-B8B95F2A80EA}"/>
+                <a16:creationId xmlns:a16="http://schemas.microsoft.com/office/drawing/2014/main" xmlns="" id="{16733C37-77C4-4975-8A16-B8B95F2A80EA}"/>
               </a:ext>
             </a:extLst>
           </p:cNvPr>
@@ -6763,7 +6763,7 @@
             <p:cNvPr id="17" name="Freeform 11">
               <a:extLst>
                 <a:ext uri="{FF2B5EF4-FFF2-40B4-BE49-F238E27FC236}">
-                  <a16:creationId xmlns:a16="http://schemas.microsoft.com/office/drawing/2014/main" id="{9F98A06C-4E5D-4066-8257-C303FF03E158}"/>
+                  <a16:creationId xmlns:a16="http://schemas.microsoft.com/office/drawing/2014/main" xmlns="" id="{9F98A06C-4E5D-4066-8257-C303FF03E158}"/>
                 </a:ext>
               </a:extLst>
             </p:cNvPr>
@@ -7681,7 +7681,7 @@
             <p:cNvPr id="18" name="Oval 17">
               <a:extLst>
                 <a:ext uri="{FF2B5EF4-FFF2-40B4-BE49-F238E27FC236}">
-                  <a16:creationId xmlns:a16="http://schemas.microsoft.com/office/drawing/2014/main" id="{4E9BE5B4-729B-4258-A0C6-94469CC57706}"/>
+                  <a16:creationId xmlns:a16="http://schemas.microsoft.com/office/drawing/2014/main" xmlns="" id="{4E9BE5B4-729B-4258-A0C6-94469CC57706}"/>
                 </a:ext>
               </a:extLst>
             </p:cNvPr>
@@ -7769,7 +7769,7 @@
           <p:cNvPr id="11" name="Rectangle 6">
             <a:extLst>
               <a:ext uri="{FF2B5EF4-FFF2-40B4-BE49-F238E27FC236}">
-                <a16:creationId xmlns:a16="http://schemas.microsoft.com/office/drawing/2014/main" id="{058A6222-F59B-4E0D-B1BB-3683C6826A1E}"/>
+                <a16:creationId xmlns:a16="http://schemas.microsoft.com/office/drawing/2014/main" xmlns="" id="{058A6222-F59B-4E0D-B1BB-3683C6826A1E}"/>
               </a:ext>
             </a:extLst>
           </p:cNvPr>
@@ -7907,7 +7907,7 @@
           <p:cNvPr id="12" name="Footer Placeholder 3">
             <a:extLst>
               <a:ext uri="{FF2B5EF4-FFF2-40B4-BE49-F238E27FC236}">
-                <a16:creationId xmlns:a16="http://schemas.microsoft.com/office/drawing/2014/main" id="{3DCC2190-2523-4D93-BEA1-7F4291A0872C}"/>
+                <a16:creationId xmlns:a16="http://schemas.microsoft.com/office/drawing/2014/main" xmlns="" id="{3DCC2190-2523-4D93-BEA1-7F4291A0872C}"/>
               </a:ext>
             </a:extLst>
           </p:cNvPr>
@@ -7947,7 +7947,7 @@
           <p:cNvPr id="13" name="Slide Number Placeholder 4">
             <a:extLst>
               <a:ext uri="{FF2B5EF4-FFF2-40B4-BE49-F238E27FC236}">
-                <a16:creationId xmlns:a16="http://schemas.microsoft.com/office/drawing/2014/main" id="{8863E583-229D-4184-95B0-BA45F3BF9476}"/>
+                <a16:creationId xmlns:a16="http://schemas.microsoft.com/office/drawing/2014/main" xmlns="" id="{8863E583-229D-4184-95B0-BA45F3BF9476}"/>
               </a:ext>
             </a:extLst>
           </p:cNvPr>
@@ -7992,7 +7992,7 @@
           <p:cNvPr id="28" name="Picture Placeholder 27">
             <a:extLst>
               <a:ext uri="{FF2B5EF4-FFF2-40B4-BE49-F238E27FC236}">
-                <a16:creationId xmlns:a16="http://schemas.microsoft.com/office/drawing/2014/main" id="{B5D7EC87-F658-4487-9D6D-0430530BF616}"/>
+                <a16:creationId xmlns:a16="http://schemas.microsoft.com/office/drawing/2014/main" xmlns="" id="{B5D7EC87-F658-4487-9D6D-0430530BF616}"/>
               </a:ext>
             </a:extLst>
           </p:cNvPr>
@@ -8091,7 +8091,7 @@
           <p:cNvPr id="25" name="Picture Placeholder 24">
             <a:extLst>
               <a:ext uri="{FF2B5EF4-FFF2-40B4-BE49-F238E27FC236}">
-                <a16:creationId xmlns:a16="http://schemas.microsoft.com/office/drawing/2014/main" id="{0A65DB91-05D5-4FBE-8071-9C30920DDFC4}"/>
+                <a16:creationId xmlns:a16="http://schemas.microsoft.com/office/drawing/2014/main" xmlns="" id="{0A65DB91-05D5-4FBE-8071-9C30920DDFC4}"/>
               </a:ext>
             </a:extLst>
           </p:cNvPr>
@@ -8190,7 +8190,7 @@
           <p:cNvPr id="24" name="Picture Placeholder 23">
             <a:extLst>
               <a:ext uri="{FF2B5EF4-FFF2-40B4-BE49-F238E27FC236}">
-                <a16:creationId xmlns:a16="http://schemas.microsoft.com/office/drawing/2014/main" id="{12092186-D053-4256-BEB7-0663A9825FF7}"/>
+                <a16:creationId xmlns:a16="http://schemas.microsoft.com/office/drawing/2014/main" xmlns="" id="{12092186-D053-4256-BEB7-0663A9825FF7}"/>
               </a:ext>
             </a:extLst>
           </p:cNvPr>
@@ -8319,7 +8319,7 @@
           <p:cNvPr id="15" name="Freeform: Shape 14">
             <a:extLst>
               <a:ext uri="{FF2B5EF4-FFF2-40B4-BE49-F238E27FC236}">
-                <a16:creationId xmlns:a16="http://schemas.microsoft.com/office/drawing/2014/main" id="{30B01564-7A7A-4A48-8493-0E0049385470}"/>
+                <a16:creationId xmlns:a16="http://schemas.microsoft.com/office/drawing/2014/main" xmlns="" id="{30B01564-7A7A-4A48-8493-0E0049385470}"/>
               </a:ext>
             </a:extLst>
           </p:cNvPr>
@@ -8456,7 +8456,7 @@
           <p:cNvPr id="16" name="Group 15">
             <a:extLst>
               <a:ext uri="{FF2B5EF4-FFF2-40B4-BE49-F238E27FC236}">
-                <a16:creationId xmlns:a16="http://schemas.microsoft.com/office/drawing/2014/main" id="{16733C37-77C4-4975-8A16-B8B95F2A80EA}"/>
+                <a16:creationId xmlns:a16="http://schemas.microsoft.com/office/drawing/2014/main" xmlns="" id="{16733C37-77C4-4975-8A16-B8B95F2A80EA}"/>
               </a:ext>
             </a:extLst>
           </p:cNvPr>
@@ -8479,7 +8479,7 @@
             <p:cNvPr id="17" name="Freeform 11">
               <a:extLst>
                 <a:ext uri="{FF2B5EF4-FFF2-40B4-BE49-F238E27FC236}">
-                  <a16:creationId xmlns:a16="http://schemas.microsoft.com/office/drawing/2014/main" id="{9F98A06C-4E5D-4066-8257-C303FF03E158}"/>
+                  <a16:creationId xmlns:a16="http://schemas.microsoft.com/office/drawing/2014/main" xmlns="" id="{9F98A06C-4E5D-4066-8257-C303FF03E158}"/>
                 </a:ext>
               </a:extLst>
             </p:cNvPr>
@@ -9397,7 +9397,7 @@
             <p:cNvPr id="18" name="Oval 17">
               <a:extLst>
                 <a:ext uri="{FF2B5EF4-FFF2-40B4-BE49-F238E27FC236}">
-                  <a16:creationId xmlns:a16="http://schemas.microsoft.com/office/drawing/2014/main" id="{4E9BE5B4-729B-4258-A0C6-94469CC57706}"/>
+                  <a16:creationId xmlns:a16="http://schemas.microsoft.com/office/drawing/2014/main" xmlns="" id="{4E9BE5B4-729B-4258-A0C6-94469CC57706}"/>
                 </a:ext>
               </a:extLst>
             </p:cNvPr>
@@ -9485,7 +9485,7 @@
           <p:cNvPr id="11" name="Rectangle 6">
             <a:extLst>
               <a:ext uri="{FF2B5EF4-FFF2-40B4-BE49-F238E27FC236}">
-                <a16:creationId xmlns:a16="http://schemas.microsoft.com/office/drawing/2014/main" id="{058A6222-F59B-4E0D-B1BB-3683C6826A1E}"/>
+                <a16:creationId xmlns:a16="http://schemas.microsoft.com/office/drawing/2014/main" xmlns="" id="{058A6222-F59B-4E0D-B1BB-3683C6826A1E}"/>
               </a:ext>
             </a:extLst>
           </p:cNvPr>
@@ -9623,7 +9623,7 @@
           <p:cNvPr id="12" name="Footer Placeholder 3">
             <a:extLst>
               <a:ext uri="{FF2B5EF4-FFF2-40B4-BE49-F238E27FC236}">
-                <a16:creationId xmlns:a16="http://schemas.microsoft.com/office/drawing/2014/main" id="{3DCC2190-2523-4D93-BEA1-7F4291A0872C}"/>
+                <a16:creationId xmlns:a16="http://schemas.microsoft.com/office/drawing/2014/main" xmlns="" id="{3DCC2190-2523-4D93-BEA1-7F4291A0872C}"/>
               </a:ext>
             </a:extLst>
           </p:cNvPr>
@@ -9663,7 +9663,7 @@
           <p:cNvPr id="13" name="Slide Number Placeholder 4">
             <a:extLst>
               <a:ext uri="{FF2B5EF4-FFF2-40B4-BE49-F238E27FC236}">
-                <a16:creationId xmlns:a16="http://schemas.microsoft.com/office/drawing/2014/main" id="{8863E583-229D-4184-95B0-BA45F3BF9476}"/>
+                <a16:creationId xmlns:a16="http://schemas.microsoft.com/office/drawing/2014/main" xmlns="" id="{8863E583-229D-4184-95B0-BA45F3BF9476}"/>
               </a:ext>
             </a:extLst>
           </p:cNvPr>
@@ -9708,7 +9708,7 @@
           <p:cNvPr id="19" name="Text Placeholder 14">
             <a:extLst>
               <a:ext uri="{FF2B5EF4-FFF2-40B4-BE49-F238E27FC236}">
-                <a16:creationId xmlns:a16="http://schemas.microsoft.com/office/drawing/2014/main" id="{E9FD3626-DE6B-436E-ADCF-A4E2C8686DD9}"/>
+                <a16:creationId xmlns:a16="http://schemas.microsoft.com/office/drawing/2014/main" xmlns="" id="{E9FD3626-DE6B-436E-ADCF-A4E2C8686DD9}"/>
               </a:ext>
             </a:extLst>
           </p:cNvPr>
@@ -9799,7 +9799,7 @@
           <p:cNvPr id="20" name="Text Placeholder 14">
             <a:extLst>
               <a:ext uri="{FF2B5EF4-FFF2-40B4-BE49-F238E27FC236}">
-                <a16:creationId xmlns:a16="http://schemas.microsoft.com/office/drawing/2014/main" id="{717EAB17-CE11-4928-8185-83A07CA326EB}"/>
+                <a16:creationId xmlns:a16="http://schemas.microsoft.com/office/drawing/2014/main" xmlns="" id="{717EAB17-CE11-4928-8185-83A07CA326EB}"/>
               </a:ext>
             </a:extLst>
           </p:cNvPr>
@@ -9890,7 +9890,7 @@
           <p:cNvPr id="21" name="Text Placeholder 14">
             <a:extLst>
               <a:ext uri="{FF2B5EF4-FFF2-40B4-BE49-F238E27FC236}">
-                <a16:creationId xmlns:a16="http://schemas.microsoft.com/office/drawing/2014/main" id="{A17D33A2-D66E-42AC-8909-3DFC0E46B942}"/>
+                <a16:creationId xmlns:a16="http://schemas.microsoft.com/office/drawing/2014/main" xmlns="" id="{A17D33A2-D66E-42AC-8909-3DFC0E46B942}"/>
               </a:ext>
             </a:extLst>
           </p:cNvPr>
@@ -9981,7 +9981,7 @@
           <p:cNvPr id="22" name="Picture Placeholder 21">
             <a:extLst>
               <a:ext uri="{FF2B5EF4-FFF2-40B4-BE49-F238E27FC236}">
-                <a16:creationId xmlns:a16="http://schemas.microsoft.com/office/drawing/2014/main" id="{E4FADBD3-86AE-49DD-8F97-ADAC162C47F6}"/>
+                <a16:creationId xmlns:a16="http://schemas.microsoft.com/office/drawing/2014/main" xmlns="" id="{E4FADBD3-86AE-49DD-8F97-ADAC162C47F6}"/>
               </a:ext>
             </a:extLst>
           </p:cNvPr>
@@ -10123,7 +10123,7 @@
             <a:fld id="{425404F2-BE9A-4460-8815-8F645183555F}" type="datetimeFigureOut">
               <a:rPr lang="en-US" smtClean="0"/>
               <a:pPr/>
-              <a:t>1/2/2022</a:t>
+              <a:t>1/3/2022</a:t>
             </a:fld>
             <a:endParaRPr lang="en-US"/>
           </a:p>
@@ -10215,7 +10215,7 @@
           <p:cNvPr id="10" name="Freeform: Shape 9">
             <a:extLst>
               <a:ext uri="{FF2B5EF4-FFF2-40B4-BE49-F238E27FC236}">
-                <a16:creationId xmlns:a16="http://schemas.microsoft.com/office/drawing/2014/main" id="{1C34211B-B798-413D-A7DC-C61EDACAA0C9}"/>
+                <a16:creationId xmlns:a16="http://schemas.microsoft.com/office/drawing/2014/main" xmlns="" id="{1C34211B-B798-413D-A7DC-C61EDACAA0C9}"/>
               </a:ext>
             </a:extLst>
           </p:cNvPr>
@@ -10346,7 +10346,7 @@
             <a:fld id="{425404F2-BE9A-4460-8815-8F645183555F}" type="datetimeFigureOut">
               <a:rPr lang="en-US" smtClean="0"/>
               <a:pPr/>
-              <a:t>1/2/2022</a:t>
+              <a:t>1/3/2022</a:t>
             </a:fld>
             <a:endParaRPr lang="en-US"/>
           </a:p>
@@ -10400,7 +10400,7 @@
           <p:cNvPr id="11" name="Freeform 7">
             <a:extLst>
               <a:ext uri="{FF2B5EF4-FFF2-40B4-BE49-F238E27FC236}">
-                <a16:creationId xmlns:a16="http://schemas.microsoft.com/office/drawing/2014/main" id="{143F3ECF-C578-418D-AA0E-3330EFDDE2C4}"/>
+                <a16:creationId xmlns:a16="http://schemas.microsoft.com/office/drawing/2014/main" xmlns="" id="{143F3ECF-C578-418D-AA0E-3330EFDDE2C4}"/>
               </a:ext>
             </a:extLst>
           </p:cNvPr>
@@ -10707,7 +10707,7 @@
             <a:fld id="{425404F2-BE9A-4460-8815-8F645183555F}" type="datetimeFigureOut">
               <a:rPr lang="en-US" smtClean="0"/>
               <a:pPr/>
-              <a:t>1/2/2022</a:t>
+              <a:t>1/3/2022</a:t>
             </a:fld>
             <a:endParaRPr lang="en-US"/>
           </a:p>
@@ -11093,7 +11093,7 @@
           <p:cNvPr id="32" name="Subtitle 31">
             <a:extLst>
               <a:ext uri="{FF2B5EF4-FFF2-40B4-BE49-F238E27FC236}">
-                <a16:creationId xmlns:a16="http://schemas.microsoft.com/office/drawing/2014/main" id="{AF782006-E618-4A9E-ACF4-6A6CC766E189}"/>
+                <a16:creationId xmlns:a16="http://schemas.microsoft.com/office/drawing/2014/main" xmlns="" id="{AF782006-E618-4A9E-ACF4-6A6CC766E189}"/>
               </a:ext>
             </a:extLst>
           </p:cNvPr>
@@ -11129,7 +11129,7 @@
           <p:cNvPr id="10" name="Freeform 7">
             <a:extLst>
               <a:ext uri="{FF2B5EF4-FFF2-40B4-BE49-F238E27FC236}">
-                <a16:creationId xmlns:a16="http://schemas.microsoft.com/office/drawing/2014/main" id="{7B6D73C7-1FE5-4E73-9D4F-C59DB1A1DC90}"/>
+                <a16:creationId xmlns:a16="http://schemas.microsoft.com/office/drawing/2014/main" xmlns="" id="{7B6D73C7-1FE5-4E73-9D4F-C59DB1A1DC90}"/>
               </a:ext>
             </a:extLst>
           </p:cNvPr>
@@ -11274,7 +11274,7 @@
           <p:cNvPr id="13" name="TextBox 12">
             <a:extLst>
               <a:ext uri="{FF2B5EF4-FFF2-40B4-BE49-F238E27FC236}">
-                <a16:creationId xmlns:a16="http://schemas.microsoft.com/office/drawing/2014/main" id="{C938F1D3-AE06-426F-A875-9F931DCBCFF6}"/>
+                <a16:creationId xmlns:a16="http://schemas.microsoft.com/office/drawing/2014/main" xmlns="" id="{C938F1D3-AE06-426F-A875-9F931DCBCFF6}"/>
               </a:ext>
             </a:extLst>
           </p:cNvPr>
@@ -11323,7 +11323,7 @@
           <p:cNvPr id="24" name="Group 23">
             <a:extLst>
               <a:ext uri="{FF2B5EF4-FFF2-40B4-BE49-F238E27FC236}">
-                <a16:creationId xmlns:a16="http://schemas.microsoft.com/office/drawing/2014/main" id="{71507A5C-76FB-4D54-B7F5-039649D03DE0}"/>
+                <a16:creationId xmlns:a16="http://schemas.microsoft.com/office/drawing/2014/main" xmlns="" id="{71507A5C-76FB-4D54-B7F5-039649D03DE0}"/>
               </a:ext>
             </a:extLst>
           </p:cNvPr>
@@ -11343,7 +11343,7 @@
             <p:cNvPr id="22" name="Freeform 11">
               <a:extLst>
                 <a:ext uri="{FF2B5EF4-FFF2-40B4-BE49-F238E27FC236}">
-                  <a16:creationId xmlns:a16="http://schemas.microsoft.com/office/drawing/2014/main" id="{6829A26E-9AA7-4D24-8375-9B48F7299D6F}"/>
+                  <a16:creationId xmlns:a16="http://schemas.microsoft.com/office/drawing/2014/main" xmlns="" id="{6829A26E-9AA7-4D24-8375-9B48F7299D6F}"/>
                 </a:ext>
               </a:extLst>
             </p:cNvPr>
@@ -12261,7 +12261,7 @@
             <p:cNvPr id="23" name="Oval 22">
               <a:extLst>
                 <a:ext uri="{FF2B5EF4-FFF2-40B4-BE49-F238E27FC236}">
-                  <a16:creationId xmlns:a16="http://schemas.microsoft.com/office/drawing/2014/main" id="{A519A2B4-C8DA-4E04-A9A6-8ECB54B08CC5}"/>
+                  <a16:creationId xmlns:a16="http://schemas.microsoft.com/office/drawing/2014/main" xmlns="" id="{A519A2B4-C8DA-4E04-A9A6-8ECB54B08CC5}"/>
                 </a:ext>
               </a:extLst>
             </p:cNvPr>
@@ -12369,7 +12369,7 @@
           <p:cNvPr id="13" name="Title 12">
             <a:extLst>
               <a:ext uri="{FF2B5EF4-FFF2-40B4-BE49-F238E27FC236}">
-                <a16:creationId xmlns:a16="http://schemas.microsoft.com/office/drawing/2014/main" id="{5F3D54C1-4541-4A4B-A4FB-31EE16359992}"/>
+                <a16:creationId xmlns:a16="http://schemas.microsoft.com/office/drawing/2014/main" xmlns="" id="{5F3D54C1-4541-4A4B-A4FB-31EE16359992}"/>
               </a:ext>
             </a:extLst>
           </p:cNvPr>
@@ -12401,7 +12401,7 @@
           <p:cNvPr id="3" name="Slide Number Placeholder 2">
             <a:extLst>
               <a:ext uri="{FF2B5EF4-FFF2-40B4-BE49-F238E27FC236}">
-                <a16:creationId xmlns:a16="http://schemas.microsoft.com/office/drawing/2014/main" id="{E32C434F-B2C0-4B77-9E00-85641E725879}"/>
+                <a16:creationId xmlns:a16="http://schemas.microsoft.com/office/drawing/2014/main" xmlns="" id="{E32C434F-B2C0-4B77-9E00-85641E725879}"/>
               </a:ext>
             </a:extLst>
           </p:cNvPr>
@@ -12431,7 +12431,7 @@
           <p:cNvPr id="30" name="Group 29">
             <a:extLst>
               <a:ext uri="{FF2B5EF4-FFF2-40B4-BE49-F238E27FC236}">
-                <a16:creationId xmlns:a16="http://schemas.microsoft.com/office/drawing/2014/main" id="{8613A6BF-A727-440C-9F29-2A40F0EDD429}"/>
+                <a16:creationId xmlns:a16="http://schemas.microsoft.com/office/drawing/2014/main" xmlns="" id="{8613A6BF-A727-440C-9F29-2A40F0EDD429}"/>
               </a:ext>
             </a:extLst>
           </p:cNvPr>
@@ -12451,7 +12451,7 @@
             <p:cNvPr id="31" name="TextBox 30">
               <a:extLst>
                 <a:ext uri="{FF2B5EF4-FFF2-40B4-BE49-F238E27FC236}">
-                  <a16:creationId xmlns:a16="http://schemas.microsoft.com/office/drawing/2014/main" id="{071C9039-7C17-4791-9AF9-27471729C9B0}"/>
+                  <a16:creationId xmlns:a16="http://schemas.microsoft.com/office/drawing/2014/main" xmlns="" id="{071C9039-7C17-4791-9AF9-27471729C9B0}"/>
                 </a:ext>
               </a:extLst>
             </p:cNvPr>
@@ -12490,7 +12490,7 @@
             <p:cNvPr id="32" name="TextBox 31">
               <a:extLst>
                 <a:ext uri="{FF2B5EF4-FFF2-40B4-BE49-F238E27FC236}">
-                  <a16:creationId xmlns:a16="http://schemas.microsoft.com/office/drawing/2014/main" id="{9D715335-6E64-48F8-8B4D-8A9A420390C3}"/>
+                  <a16:creationId xmlns:a16="http://schemas.microsoft.com/office/drawing/2014/main" xmlns="" id="{9D715335-6E64-48F8-8B4D-8A9A420390C3}"/>
                 </a:ext>
               </a:extLst>
             </p:cNvPr>
@@ -12538,7 +12538,7 @@
           <p:cNvPr id="36" name="TextBox 35">
             <a:extLst>
               <a:ext uri="{FF2B5EF4-FFF2-40B4-BE49-F238E27FC236}">
-                <a16:creationId xmlns:a16="http://schemas.microsoft.com/office/drawing/2014/main" id="{38330047-2265-4AD4-9DB7-A6F56C75DBAD}"/>
+                <a16:creationId xmlns:a16="http://schemas.microsoft.com/office/drawing/2014/main" xmlns="" id="{38330047-2265-4AD4-9DB7-A6F56C75DBAD}"/>
               </a:ext>
             </a:extLst>
           </p:cNvPr>
@@ -12692,7 +12692,7 @@
           <p:cNvPr id="7" name="Title 6">
             <a:extLst>
               <a:ext uri="{FF2B5EF4-FFF2-40B4-BE49-F238E27FC236}">
-                <a16:creationId xmlns:a16="http://schemas.microsoft.com/office/drawing/2014/main" id="{45A63CB7-19FF-4407-B615-ED8B858E5B78}"/>
+                <a16:creationId xmlns:a16="http://schemas.microsoft.com/office/drawing/2014/main" xmlns="" id="{45A63CB7-19FF-4407-B615-ED8B858E5B78}"/>
               </a:ext>
             </a:extLst>
           </p:cNvPr>
@@ -12735,7 +12735,7 @@
           <p:cNvPr id="35" name="Slide Number Placeholder 34">
             <a:extLst>
               <a:ext uri="{FF2B5EF4-FFF2-40B4-BE49-F238E27FC236}">
-                <a16:creationId xmlns:a16="http://schemas.microsoft.com/office/drawing/2014/main" id="{C19AF590-4F21-45B9-8DC0-6B279C5811D0}"/>
+                <a16:creationId xmlns:a16="http://schemas.microsoft.com/office/drawing/2014/main" xmlns="" id="{C19AF590-4F21-45B9-8DC0-6B279C5811D0}"/>
               </a:ext>
             </a:extLst>
           </p:cNvPr>
@@ -12765,7 +12765,7 @@
           <p:cNvPr id="41" name="Freeform 5">
             <a:extLst>
               <a:ext uri="{FF2B5EF4-FFF2-40B4-BE49-F238E27FC236}">
-                <a16:creationId xmlns:a16="http://schemas.microsoft.com/office/drawing/2014/main" id="{44EDD68C-28EE-4974-9F3B-8CCB83A85DED}"/>
+                <a16:creationId xmlns:a16="http://schemas.microsoft.com/office/drawing/2014/main" xmlns="" id="{44EDD68C-28EE-4974-9F3B-8CCB83A85DED}"/>
               </a:ext>
             </a:extLst>
           </p:cNvPr>
@@ -12905,7 +12905,7 @@
           <p:cNvPr id="42" name="Freeform 6">
             <a:extLst>
               <a:ext uri="{FF2B5EF4-FFF2-40B4-BE49-F238E27FC236}">
-                <a16:creationId xmlns:a16="http://schemas.microsoft.com/office/drawing/2014/main" id="{8063FB36-D4DD-4730-B3F4-E9BE4C94E90F}"/>
+                <a16:creationId xmlns:a16="http://schemas.microsoft.com/office/drawing/2014/main" xmlns="" id="{8063FB36-D4DD-4730-B3F4-E9BE4C94E90F}"/>
               </a:ext>
             </a:extLst>
           </p:cNvPr>
@@ -13065,7 +13065,7 @@
           <p:cNvPr id="58" name="Freeform 7">
             <a:extLst>
               <a:ext uri="{FF2B5EF4-FFF2-40B4-BE49-F238E27FC236}">
-                <a16:creationId xmlns:a16="http://schemas.microsoft.com/office/drawing/2014/main" id="{E2D8647C-763E-4343-A6FE-4E564F9A7212}"/>
+                <a16:creationId xmlns:a16="http://schemas.microsoft.com/office/drawing/2014/main" xmlns="" id="{E2D8647C-763E-4343-A6FE-4E564F9A7212}"/>
               </a:ext>
             </a:extLst>
           </p:cNvPr>
@@ -13472,7 +13472,7 @@
           <p:cNvPr id="59" name="Freeform 8">
             <a:extLst>
               <a:ext uri="{FF2B5EF4-FFF2-40B4-BE49-F238E27FC236}">
-                <a16:creationId xmlns:a16="http://schemas.microsoft.com/office/drawing/2014/main" id="{407A37C5-7CB2-4C4C-B885-3D26F614FCED}"/>
+                <a16:creationId xmlns:a16="http://schemas.microsoft.com/office/drawing/2014/main" xmlns="" id="{407A37C5-7CB2-4C4C-B885-3D26F614FCED}"/>
               </a:ext>
             </a:extLst>
           </p:cNvPr>
@@ -13665,7 +13665,7 @@
           <p:cNvPr id="60" name="Rectangle 9">
             <a:extLst>
               <a:ext uri="{FF2B5EF4-FFF2-40B4-BE49-F238E27FC236}">
-                <a16:creationId xmlns:a16="http://schemas.microsoft.com/office/drawing/2014/main" id="{41D4D797-B7DE-4A88-90B3-E6AC7273F354}"/>
+                <a16:creationId xmlns:a16="http://schemas.microsoft.com/office/drawing/2014/main" xmlns="" id="{41D4D797-B7DE-4A88-90B3-E6AC7273F354}"/>
               </a:ext>
             </a:extLst>
           </p:cNvPr>
@@ -13747,7 +13747,7 @@
           <p:cNvPr id="4" name="TextBox 3">
             <a:extLst>
               <a:ext uri="{FF2B5EF4-FFF2-40B4-BE49-F238E27FC236}">
-                <a16:creationId xmlns:a16="http://schemas.microsoft.com/office/drawing/2014/main" id="{2590D3C7-FDC7-43F4-820B-51EC3977D38B}"/>
+                <a16:creationId xmlns:a16="http://schemas.microsoft.com/office/drawing/2014/main" xmlns="" id="{2590D3C7-FDC7-43F4-820B-51EC3977D38B}"/>
               </a:ext>
             </a:extLst>
           </p:cNvPr>
@@ -13811,7 +13811,7 @@
           <p:cNvPr id="6" name="Group 5">
             <a:extLst>
               <a:ext uri="{FF2B5EF4-FFF2-40B4-BE49-F238E27FC236}">
-                <a16:creationId xmlns:a16="http://schemas.microsoft.com/office/drawing/2014/main" id="{0BF1F2F7-8FF3-4E60-9DF8-887CDC2C8F77}"/>
+                <a16:creationId xmlns:a16="http://schemas.microsoft.com/office/drawing/2014/main" xmlns="" id="{0BF1F2F7-8FF3-4E60-9DF8-887CDC2C8F77}"/>
               </a:ext>
             </a:extLst>
           </p:cNvPr>
@@ -13831,7 +13831,7 @@
             <p:cNvPr id="7" name="Freeform 11">
               <a:extLst>
                 <a:ext uri="{FF2B5EF4-FFF2-40B4-BE49-F238E27FC236}">
-                  <a16:creationId xmlns:a16="http://schemas.microsoft.com/office/drawing/2014/main" id="{C25AE1BE-CE6A-4F23-B40C-62163D67B7B1}"/>
+                  <a16:creationId xmlns:a16="http://schemas.microsoft.com/office/drawing/2014/main" xmlns="" id="{C25AE1BE-CE6A-4F23-B40C-62163D67B7B1}"/>
                 </a:ext>
               </a:extLst>
             </p:cNvPr>
@@ -14749,7 +14749,7 @@
             <p:cNvPr id="8" name="Oval 7">
               <a:extLst>
                 <a:ext uri="{FF2B5EF4-FFF2-40B4-BE49-F238E27FC236}">
-                  <a16:creationId xmlns:a16="http://schemas.microsoft.com/office/drawing/2014/main" id="{CDFEA395-CE46-4843-889D-610D058E8DC1}"/>
+                  <a16:creationId xmlns:a16="http://schemas.microsoft.com/office/drawing/2014/main" xmlns="" id="{CDFEA395-CE46-4843-889D-610D058E8DC1}"/>
                 </a:ext>
               </a:extLst>
             </p:cNvPr>
@@ -14832,7 +14832,7 @@
           <p:cNvPr id="13" name="Title 12">
             <a:extLst>
               <a:ext uri="{FF2B5EF4-FFF2-40B4-BE49-F238E27FC236}">
-                <a16:creationId xmlns:a16="http://schemas.microsoft.com/office/drawing/2014/main" id="{5F3D54C1-4541-4A4B-A4FB-31EE16359992}"/>
+                <a16:creationId xmlns:a16="http://schemas.microsoft.com/office/drawing/2014/main" xmlns="" id="{5F3D54C1-4541-4A4B-A4FB-31EE16359992}"/>
               </a:ext>
             </a:extLst>
           </p:cNvPr>
@@ -14892,7 +14892,7 @@
           <p:cNvPr id="31" name="Slide Number Placeholder 30">
             <a:extLst>
               <a:ext uri="{FF2B5EF4-FFF2-40B4-BE49-F238E27FC236}">
-                <a16:creationId xmlns:a16="http://schemas.microsoft.com/office/drawing/2014/main" id="{69241165-0208-4909-9653-F4B924132FB3}"/>
+                <a16:creationId xmlns:a16="http://schemas.microsoft.com/office/drawing/2014/main" xmlns="" id="{69241165-0208-4909-9653-F4B924132FB3}"/>
               </a:ext>
             </a:extLst>
           </p:cNvPr>
@@ -14922,7 +14922,7 @@
           <p:cNvPr id="12" name="TextBox 11">
             <a:extLst>
               <a:ext uri="{FF2B5EF4-FFF2-40B4-BE49-F238E27FC236}">
-                <a16:creationId xmlns:a16="http://schemas.microsoft.com/office/drawing/2014/main" id="{AE78184A-0969-4026-B760-29091777A5DB}"/>
+                <a16:creationId xmlns:a16="http://schemas.microsoft.com/office/drawing/2014/main" xmlns="" id="{AE78184A-0969-4026-B760-29091777A5DB}"/>
               </a:ext>
             </a:extLst>
           </p:cNvPr>
@@ -14979,7 +14979,7 @@
           <p:cNvPr id="8" name="TextBox 7">
             <a:extLst>
               <a:ext uri="{FF2B5EF4-FFF2-40B4-BE49-F238E27FC236}">
-                <a16:creationId xmlns:a16="http://schemas.microsoft.com/office/drawing/2014/main" id="{AE78184A-0969-4026-B760-29091777A5DB}"/>
+                <a16:creationId xmlns:a16="http://schemas.microsoft.com/office/drawing/2014/main" xmlns="" id="{AE78184A-0969-4026-B760-29091777A5DB}"/>
               </a:ext>
             </a:extLst>
           </p:cNvPr>
@@ -15023,7 +15023,7 @@
           <p:cNvPr id="9" name="TextBox 8">
             <a:extLst>
               <a:ext uri="{FF2B5EF4-FFF2-40B4-BE49-F238E27FC236}">
-                <a16:creationId xmlns:a16="http://schemas.microsoft.com/office/drawing/2014/main" id="{AE78184A-0969-4026-B760-29091777A5DB}"/>
+                <a16:creationId xmlns:a16="http://schemas.microsoft.com/office/drawing/2014/main" xmlns="" id="{AE78184A-0969-4026-B760-29091777A5DB}"/>
               </a:ext>
             </a:extLst>
           </p:cNvPr>
@@ -15067,7 +15067,7 @@
           <p:cNvPr id="10" name="TextBox 9">
             <a:extLst>
               <a:ext uri="{FF2B5EF4-FFF2-40B4-BE49-F238E27FC236}">
-                <a16:creationId xmlns:a16="http://schemas.microsoft.com/office/drawing/2014/main" id="{AE78184A-0969-4026-B760-29091777A5DB}"/>
+                <a16:creationId xmlns:a16="http://schemas.microsoft.com/office/drawing/2014/main" xmlns="" id="{AE78184A-0969-4026-B760-29091777A5DB}"/>
               </a:ext>
             </a:extLst>
           </p:cNvPr>
@@ -15111,7 +15111,7 @@
           <p:cNvPr id="11" name="TextBox 10">
             <a:extLst>
               <a:ext uri="{FF2B5EF4-FFF2-40B4-BE49-F238E27FC236}">
-                <a16:creationId xmlns:a16="http://schemas.microsoft.com/office/drawing/2014/main" id="{AE78184A-0969-4026-B760-29091777A5DB}"/>
+                <a16:creationId xmlns:a16="http://schemas.microsoft.com/office/drawing/2014/main" xmlns="" id="{AE78184A-0969-4026-B760-29091777A5DB}"/>
               </a:ext>
             </a:extLst>
           </p:cNvPr>
@@ -15151,7 +15151,7 @@
           <p:cNvPr id="15" name="TextBox 14">
             <a:extLst>
               <a:ext uri="{FF2B5EF4-FFF2-40B4-BE49-F238E27FC236}">
-                <a16:creationId xmlns:a16="http://schemas.microsoft.com/office/drawing/2014/main" id="{AE78184A-0969-4026-B760-29091777A5DB}"/>
+                <a16:creationId xmlns:a16="http://schemas.microsoft.com/office/drawing/2014/main" xmlns="" id="{AE78184A-0969-4026-B760-29091777A5DB}"/>
               </a:ext>
             </a:extLst>
           </p:cNvPr>
@@ -15251,7 +15251,7 @@
           <p:cNvPr id="13" name="Title 12">
             <a:extLst>
               <a:ext uri="{FF2B5EF4-FFF2-40B4-BE49-F238E27FC236}">
-                <a16:creationId xmlns:a16="http://schemas.microsoft.com/office/drawing/2014/main" id="{5F3D54C1-4541-4A4B-A4FB-31EE16359992}"/>
+                <a16:creationId xmlns:a16="http://schemas.microsoft.com/office/drawing/2014/main" xmlns="" id="{5F3D54C1-4541-4A4B-A4FB-31EE16359992}"/>
               </a:ext>
             </a:extLst>
           </p:cNvPr>
@@ -15304,7 +15304,7 @@
           <p:cNvPr id="3" name="Slide Number Placeholder 2">
             <a:extLst>
               <a:ext uri="{FF2B5EF4-FFF2-40B4-BE49-F238E27FC236}">
-                <a16:creationId xmlns:a16="http://schemas.microsoft.com/office/drawing/2014/main" id="{E32C434F-B2C0-4B77-9E00-85641E725879}"/>
+                <a16:creationId xmlns:a16="http://schemas.microsoft.com/office/drawing/2014/main" xmlns="" id="{E32C434F-B2C0-4B77-9E00-85641E725879}"/>
               </a:ext>
             </a:extLst>
           </p:cNvPr>
@@ -15334,7 +15334,7 @@
           <p:cNvPr id="30" name="Group 29">
             <a:extLst>
               <a:ext uri="{FF2B5EF4-FFF2-40B4-BE49-F238E27FC236}">
-                <a16:creationId xmlns:a16="http://schemas.microsoft.com/office/drawing/2014/main" id="{8613A6BF-A727-440C-9F29-2A40F0EDD429}"/>
+                <a16:creationId xmlns:a16="http://schemas.microsoft.com/office/drawing/2014/main" xmlns="" id="{8613A6BF-A727-440C-9F29-2A40F0EDD429}"/>
               </a:ext>
             </a:extLst>
           </p:cNvPr>
@@ -15354,7 +15354,7 @@
             <p:cNvPr id="31" name="TextBox 30">
               <a:extLst>
                 <a:ext uri="{FF2B5EF4-FFF2-40B4-BE49-F238E27FC236}">
-                  <a16:creationId xmlns:a16="http://schemas.microsoft.com/office/drawing/2014/main" id="{071C9039-7C17-4791-9AF9-27471729C9B0}"/>
+                  <a16:creationId xmlns:a16="http://schemas.microsoft.com/office/drawing/2014/main" xmlns="" id="{071C9039-7C17-4791-9AF9-27471729C9B0}"/>
                 </a:ext>
               </a:extLst>
             </p:cNvPr>
@@ -15393,7 +15393,7 @@
             <p:cNvPr id="32" name="TextBox 31">
               <a:extLst>
                 <a:ext uri="{FF2B5EF4-FFF2-40B4-BE49-F238E27FC236}">
-                  <a16:creationId xmlns:a16="http://schemas.microsoft.com/office/drawing/2014/main" id="{9D715335-6E64-48F8-8B4D-8A9A420390C3}"/>
+                  <a16:creationId xmlns:a16="http://schemas.microsoft.com/office/drawing/2014/main" xmlns="" id="{9D715335-6E64-48F8-8B4D-8A9A420390C3}"/>
                 </a:ext>
               </a:extLst>
             </p:cNvPr>
@@ -15862,7 +15862,7 @@
           <p:cNvPr id="13" name="Title 12">
             <a:extLst>
               <a:ext uri="{FF2B5EF4-FFF2-40B4-BE49-F238E27FC236}">
-                <a16:creationId xmlns:a16="http://schemas.microsoft.com/office/drawing/2014/main" id="{5F3D54C1-4541-4A4B-A4FB-31EE16359992}"/>
+                <a16:creationId xmlns:a16="http://schemas.microsoft.com/office/drawing/2014/main" xmlns="" id="{5F3D54C1-4541-4A4B-A4FB-31EE16359992}"/>
               </a:ext>
             </a:extLst>
           </p:cNvPr>
@@ -15915,7 +15915,7 @@
           <p:cNvPr id="3" name="Slide Number Placeholder 2">
             <a:extLst>
               <a:ext uri="{FF2B5EF4-FFF2-40B4-BE49-F238E27FC236}">
-                <a16:creationId xmlns:a16="http://schemas.microsoft.com/office/drawing/2014/main" id="{E32C434F-B2C0-4B77-9E00-85641E725879}"/>
+                <a16:creationId xmlns:a16="http://schemas.microsoft.com/office/drawing/2014/main" xmlns="" id="{E32C434F-B2C0-4B77-9E00-85641E725879}"/>
               </a:ext>
             </a:extLst>
           </p:cNvPr>
@@ -15945,7 +15945,7 @@
           <p:cNvPr id="30" name="Group 29">
             <a:extLst>
               <a:ext uri="{FF2B5EF4-FFF2-40B4-BE49-F238E27FC236}">
-                <a16:creationId xmlns:a16="http://schemas.microsoft.com/office/drawing/2014/main" id="{8613A6BF-A727-440C-9F29-2A40F0EDD429}"/>
+                <a16:creationId xmlns:a16="http://schemas.microsoft.com/office/drawing/2014/main" xmlns="" id="{8613A6BF-A727-440C-9F29-2A40F0EDD429}"/>
               </a:ext>
             </a:extLst>
           </p:cNvPr>
@@ -15965,7 +15965,7 @@
             <p:cNvPr id="31" name="TextBox 30">
               <a:extLst>
                 <a:ext uri="{FF2B5EF4-FFF2-40B4-BE49-F238E27FC236}">
-                  <a16:creationId xmlns:a16="http://schemas.microsoft.com/office/drawing/2014/main" id="{071C9039-7C17-4791-9AF9-27471729C9B0}"/>
+                  <a16:creationId xmlns:a16="http://schemas.microsoft.com/office/drawing/2014/main" xmlns="" id="{071C9039-7C17-4791-9AF9-27471729C9B0}"/>
                 </a:ext>
               </a:extLst>
             </p:cNvPr>
@@ -16004,7 +16004,7 @@
             <p:cNvPr id="32" name="TextBox 31">
               <a:extLst>
                 <a:ext uri="{FF2B5EF4-FFF2-40B4-BE49-F238E27FC236}">
-                  <a16:creationId xmlns:a16="http://schemas.microsoft.com/office/drawing/2014/main" id="{9D715335-6E64-48F8-8B4D-8A9A420390C3}"/>
+                  <a16:creationId xmlns:a16="http://schemas.microsoft.com/office/drawing/2014/main" xmlns="" id="{9D715335-6E64-48F8-8B4D-8A9A420390C3}"/>
                 </a:ext>
               </a:extLst>
             </p:cNvPr>
@@ -16213,7 +16213,7 @@
           <p:cNvPr id="13" name="Title 12">
             <a:extLst>
               <a:ext uri="{FF2B5EF4-FFF2-40B4-BE49-F238E27FC236}">
-                <a16:creationId xmlns:a16="http://schemas.microsoft.com/office/drawing/2014/main" id="{5F3D54C1-4541-4A4B-A4FB-31EE16359992}"/>
+                <a16:creationId xmlns:a16="http://schemas.microsoft.com/office/drawing/2014/main" xmlns="" id="{5F3D54C1-4541-4A4B-A4FB-31EE16359992}"/>
               </a:ext>
             </a:extLst>
           </p:cNvPr>
@@ -16266,7 +16266,7 @@
           <p:cNvPr id="3" name="Slide Number Placeholder 2">
             <a:extLst>
               <a:ext uri="{FF2B5EF4-FFF2-40B4-BE49-F238E27FC236}">
-                <a16:creationId xmlns:a16="http://schemas.microsoft.com/office/drawing/2014/main" id="{E32C434F-B2C0-4B77-9E00-85641E725879}"/>
+                <a16:creationId xmlns:a16="http://schemas.microsoft.com/office/drawing/2014/main" xmlns="" id="{E32C434F-B2C0-4B77-9E00-85641E725879}"/>
               </a:ext>
             </a:extLst>
           </p:cNvPr>
@@ -16296,7 +16296,7 @@
           <p:cNvPr id="30" name="Group 29">
             <a:extLst>
               <a:ext uri="{FF2B5EF4-FFF2-40B4-BE49-F238E27FC236}">
-                <a16:creationId xmlns:a16="http://schemas.microsoft.com/office/drawing/2014/main" id="{8613A6BF-A727-440C-9F29-2A40F0EDD429}"/>
+                <a16:creationId xmlns:a16="http://schemas.microsoft.com/office/drawing/2014/main" xmlns="" id="{8613A6BF-A727-440C-9F29-2A40F0EDD429}"/>
               </a:ext>
             </a:extLst>
           </p:cNvPr>
@@ -16316,7 +16316,7 @@
             <p:cNvPr id="31" name="TextBox 30">
               <a:extLst>
                 <a:ext uri="{FF2B5EF4-FFF2-40B4-BE49-F238E27FC236}">
-                  <a16:creationId xmlns:a16="http://schemas.microsoft.com/office/drawing/2014/main" id="{071C9039-7C17-4791-9AF9-27471729C9B0}"/>
+                  <a16:creationId xmlns:a16="http://schemas.microsoft.com/office/drawing/2014/main" xmlns="" id="{071C9039-7C17-4791-9AF9-27471729C9B0}"/>
                 </a:ext>
               </a:extLst>
             </p:cNvPr>
@@ -16355,7 +16355,7 @@
             <p:cNvPr id="32" name="TextBox 31">
               <a:extLst>
                 <a:ext uri="{FF2B5EF4-FFF2-40B4-BE49-F238E27FC236}">
-                  <a16:creationId xmlns:a16="http://schemas.microsoft.com/office/drawing/2014/main" id="{9D715335-6E64-48F8-8B4D-8A9A420390C3}"/>
+                  <a16:creationId xmlns:a16="http://schemas.microsoft.com/office/drawing/2014/main" xmlns="" id="{9D715335-6E64-48F8-8B4D-8A9A420390C3}"/>
                 </a:ext>
               </a:extLst>
             </p:cNvPr>
@@ -16736,7 +16736,7 @@
           <p:cNvPr id="13" name="Title 12">
             <a:extLst>
               <a:ext uri="{FF2B5EF4-FFF2-40B4-BE49-F238E27FC236}">
-                <a16:creationId xmlns:a16="http://schemas.microsoft.com/office/drawing/2014/main" id="{5F3D54C1-4541-4A4B-A4FB-31EE16359992}"/>
+                <a16:creationId xmlns:a16="http://schemas.microsoft.com/office/drawing/2014/main" xmlns="" id="{5F3D54C1-4541-4A4B-A4FB-31EE16359992}"/>
               </a:ext>
             </a:extLst>
           </p:cNvPr>
@@ -16775,7 +16775,7 @@
           <p:cNvPr id="3" name="Slide Number Placeholder 2">
             <a:extLst>
               <a:ext uri="{FF2B5EF4-FFF2-40B4-BE49-F238E27FC236}">
-                <a16:creationId xmlns:a16="http://schemas.microsoft.com/office/drawing/2014/main" id="{E32C434F-B2C0-4B77-9E00-85641E725879}"/>
+                <a16:creationId xmlns:a16="http://schemas.microsoft.com/office/drawing/2014/main" xmlns="" id="{E32C434F-B2C0-4B77-9E00-85641E725879}"/>
               </a:ext>
             </a:extLst>
           </p:cNvPr>
@@ -16805,7 +16805,7 @@
           <p:cNvPr id="30" name="Group 29">
             <a:extLst>
               <a:ext uri="{FF2B5EF4-FFF2-40B4-BE49-F238E27FC236}">
-                <a16:creationId xmlns:a16="http://schemas.microsoft.com/office/drawing/2014/main" id="{8613A6BF-A727-440C-9F29-2A40F0EDD429}"/>
+                <a16:creationId xmlns:a16="http://schemas.microsoft.com/office/drawing/2014/main" xmlns="" id="{8613A6BF-A727-440C-9F29-2A40F0EDD429}"/>
               </a:ext>
             </a:extLst>
           </p:cNvPr>
@@ -16825,7 +16825,7 @@
             <p:cNvPr id="31" name="TextBox 30">
               <a:extLst>
                 <a:ext uri="{FF2B5EF4-FFF2-40B4-BE49-F238E27FC236}">
-                  <a16:creationId xmlns:a16="http://schemas.microsoft.com/office/drawing/2014/main" id="{071C9039-7C17-4791-9AF9-27471729C9B0}"/>
+                  <a16:creationId xmlns:a16="http://schemas.microsoft.com/office/drawing/2014/main" xmlns="" id="{071C9039-7C17-4791-9AF9-27471729C9B0}"/>
                 </a:ext>
               </a:extLst>
             </p:cNvPr>
@@ -16864,7 +16864,7 @@
             <p:cNvPr id="32" name="TextBox 31">
               <a:extLst>
                 <a:ext uri="{FF2B5EF4-FFF2-40B4-BE49-F238E27FC236}">
-                  <a16:creationId xmlns:a16="http://schemas.microsoft.com/office/drawing/2014/main" id="{9D715335-6E64-48F8-8B4D-8A9A420390C3}"/>
+                  <a16:creationId xmlns:a16="http://schemas.microsoft.com/office/drawing/2014/main" xmlns="" id="{9D715335-6E64-48F8-8B4D-8A9A420390C3}"/>
                 </a:ext>
               </a:extLst>
             </p:cNvPr>
@@ -16912,7 +16912,7 @@
           <p:cNvPr id="36" name="TextBox 35">
             <a:extLst>
               <a:ext uri="{FF2B5EF4-FFF2-40B4-BE49-F238E27FC236}">
-                <a16:creationId xmlns:a16="http://schemas.microsoft.com/office/drawing/2014/main" id="{38330047-2265-4AD4-9DB7-A6F56C75DBAD}"/>
+                <a16:creationId xmlns:a16="http://schemas.microsoft.com/office/drawing/2014/main" xmlns="" id="{38330047-2265-4AD4-9DB7-A6F56C75DBAD}"/>
               </a:ext>
             </a:extLst>
           </p:cNvPr>
@@ -17059,7 +17059,7 @@
           <p:cNvPr id="13" name="Title 12">
             <a:extLst>
               <a:ext uri="{FF2B5EF4-FFF2-40B4-BE49-F238E27FC236}">
-                <a16:creationId xmlns:a16="http://schemas.microsoft.com/office/drawing/2014/main" id="{5F3D54C1-4541-4A4B-A4FB-31EE16359992}"/>
+                <a16:creationId xmlns:a16="http://schemas.microsoft.com/office/drawing/2014/main" xmlns="" id="{5F3D54C1-4541-4A4B-A4FB-31EE16359992}"/>
               </a:ext>
             </a:extLst>
           </p:cNvPr>
@@ -17091,7 +17091,7 @@
           <p:cNvPr id="3" name="Slide Number Placeholder 2">
             <a:extLst>
               <a:ext uri="{FF2B5EF4-FFF2-40B4-BE49-F238E27FC236}">
-                <a16:creationId xmlns:a16="http://schemas.microsoft.com/office/drawing/2014/main" id="{E32C434F-B2C0-4B77-9E00-85641E725879}"/>
+                <a16:creationId xmlns:a16="http://schemas.microsoft.com/office/drawing/2014/main" xmlns="" id="{E32C434F-B2C0-4B77-9E00-85641E725879}"/>
               </a:ext>
             </a:extLst>
           </p:cNvPr>
@@ -17121,7 +17121,7 @@
           <p:cNvPr id="30" name="Group 29">
             <a:extLst>
               <a:ext uri="{FF2B5EF4-FFF2-40B4-BE49-F238E27FC236}">
-                <a16:creationId xmlns:a16="http://schemas.microsoft.com/office/drawing/2014/main" id="{8613A6BF-A727-440C-9F29-2A40F0EDD429}"/>
+                <a16:creationId xmlns:a16="http://schemas.microsoft.com/office/drawing/2014/main" xmlns="" id="{8613A6BF-A727-440C-9F29-2A40F0EDD429}"/>
               </a:ext>
             </a:extLst>
           </p:cNvPr>
@@ -17141,7 +17141,7 @@
             <p:cNvPr id="31" name="TextBox 30">
               <a:extLst>
                 <a:ext uri="{FF2B5EF4-FFF2-40B4-BE49-F238E27FC236}">
-                  <a16:creationId xmlns:a16="http://schemas.microsoft.com/office/drawing/2014/main" id="{071C9039-7C17-4791-9AF9-27471729C9B0}"/>
+                  <a16:creationId xmlns:a16="http://schemas.microsoft.com/office/drawing/2014/main" xmlns="" id="{071C9039-7C17-4791-9AF9-27471729C9B0}"/>
                 </a:ext>
               </a:extLst>
             </p:cNvPr>
@@ -17180,7 +17180,7 @@
             <p:cNvPr id="32" name="TextBox 31">
               <a:extLst>
                 <a:ext uri="{FF2B5EF4-FFF2-40B4-BE49-F238E27FC236}">
-                  <a16:creationId xmlns:a16="http://schemas.microsoft.com/office/drawing/2014/main" id="{9D715335-6E64-48F8-8B4D-8A9A420390C3}"/>
+                  <a16:creationId xmlns:a16="http://schemas.microsoft.com/office/drawing/2014/main" xmlns="" id="{9D715335-6E64-48F8-8B4D-8A9A420390C3}"/>
                 </a:ext>
               </a:extLst>
             </p:cNvPr>
@@ -17228,7 +17228,7 @@
           <p:cNvPr id="36" name="TextBox 35">
             <a:extLst>
               <a:ext uri="{FF2B5EF4-FFF2-40B4-BE49-F238E27FC236}">
-                <a16:creationId xmlns:a16="http://schemas.microsoft.com/office/drawing/2014/main" id="{38330047-2265-4AD4-9DB7-A6F56C75DBAD}"/>
+                <a16:creationId xmlns:a16="http://schemas.microsoft.com/office/drawing/2014/main" xmlns="" id="{38330047-2265-4AD4-9DB7-A6F56C75DBAD}"/>
               </a:ext>
             </a:extLst>
           </p:cNvPr>
@@ -17997,7 +17997,7 @@
           <p:cNvPr id="13" name="Title 12">
             <a:extLst>
               <a:ext uri="{FF2B5EF4-FFF2-40B4-BE49-F238E27FC236}">
-                <a16:creationId xmlns:a16="http://schemas.microsoft.com/office/drawing/2014/main" id="{5F3D54C1-4541-4A4B-A4FB-31EE16359992}"/>
+                <a16:creationId xmlns:a16="http://schemas.microsoft.com/office/drawing/2014/main" xmlns="" id="{5F3D54C1-4541-4A4B-A4FB-31EE16359992}"/>
               </a:ext>
             </a:extLst>
           </p:cNvPr>
@@ -18029,7 +18029,7 @@
           <p:cNvPr id="3" name="Slide Number Placeholder 2">
             <a:extLst>
               <a:ext uri="{FF2B5EF4-FFF2-40B4-BE49-F238E27FC236}">
-                <a16:creationId xmlns:a16="http://schemas.microsoft.com/office/drawing/2014/main" id="{E32C434F-B2C0-4B77-9E00-85641E725879}"/>
+                <a16:creationId xmlns:a16="http://schemas.microsoft.com/office/drawing/2014/main" xmlns="" id="{E32C434F-B2C0-4B77-9E00-85641E725879}"/>
               </a:ext>
             </a:extLst>
           </p:cNvPr>
@@ -18059,7 +18059,7 @@
           <p:cNvPr id="30" name="Group 29">
             <a:extLst>
               <a:ext uri="{FF2B5EF4-FFF2-40B4-BE49-F238E27FC236}">
-                <a16:creationId xmlns:a16="http://schemas.microsoft.com/office/drawing/2014/main" id="{8613A6BF-A727-440C-9F29-2A40F0EDD429}"/>
+                <a16:creationId xmlns:a16="http://schemas.microsoft.com/office/drawing/2014/main" xmlns="" id="{8613A6BF-A727-440C-9F29-2A40F0EDD429}"/>
               </a:ext>
             </a:extLst>
           </p:cNvPr>
@@ -18079,7 +18079,7 @@
             <p:cNvPr id="31" name="TextBox 30">
               <a:extLst>
                 <a:ext uri="{FF2B5EF4-FFF2-40B4-BE49-F238E27FC236}">
-                  <a16:creationId xmlns:a16="http://schemas.microsoft.com/office/drawing/2014/main" id="{071C9039-7C17-4791-9AF9-27471729C9B0}"/>
+                  <a16:creationId xmlns:a16="http://schemas.microsoft.com/office/drawing/2014/main" xmlns="" id="{071C9039-7C17-4791-9AF9-27471729C9B0}"/>
                 </a:ext>
               </a:extLst>
             </p:cNvPr>
@@ -18118,7 +18118,7 @@
             <p:cNvPr id="32" name="TextBox 31">
               <a:extLst>
                 <a:ext uri="{FF2B5EF4-FFF2-40B4-BE49-F238E27FC236}">
-                  <a16:creationId xmlns:a16="http://schemas.microsoft.com/office/drawing/2014/main" id="{9D715335-6E64-48F8-8B4D-8A9A420390C3}"/>
+                  <a16:creationId xmlns:a16="http://schemas.microsoft.com/office/drawing/2014/main" xmlns="" id="{9D715335-6E64-48F8-8B4D-8A9A420390C3}"/>
                 </a:ext>
               </a:extLst>
             </p:cNvPr>
@@ -18166,7 +18166,7 @@
           <p:cNvPr id="36" name="TextBox 35">
             <a:extLst>
               <a:ext uri="{FF2B5EF4-FFF2-40B4-BE49-F238E27FC236}">
-                <a16:creationId xmlns:a16="http://schemas.microsoft.com/office/drawing/2014/main" id="{38330047-2265-4AD4-9DB7-A6F56C75DBAD}"/>
+                <a16:creationId xmlns:a16="http://schemas.microsoft.com/office/drawing/2014/main" xmlns="" id="{38330047-2265-4AD4-9DB7-A6F56C75DBAD}"/>
               </a:ext>
             </a:extLst>
           </p:cNvPr>
@@ -18581,7 +18581,7 @@
           <p:cNvPr id="13" name="Title 12">
             <a:extLst>
               <a:ext uri="{FF2B5EF4-FFF2-40B4-BE49-F238E27FC236}">
-                <a16:creationId xmlns:a16="http://schemas.microsoft.com/office/drawing/2014/main" id="{5F3D54C1-4541-4A4B-A4FB-31EE16359992}"/>
+                <a16:creationId xmlns:a16="http://schemas.microsoft.com/office/drawing/2014/main" xmlns="" id="{5F3D54C1-4541-4A4B-A4FB-31EE16359992}"/>
               </a:ext>
             </a:extLst>
           </p:cNvPr>
@@ -18613,7 +18613,7 @@
           <p:cNvPr id="3" name="Slide Number Placeholder 2">
             <a:extLst>
               <a:ext uri="{FF2B5EF4-FFF2-40B4-BE49-F238E27FC236}">
-                <a16:creationId xmlns:a16="http://schemas.microsoft.com/office/drawing/2014/main" id="{E32C434F-B2C0-4B77-9E00-85641E725879}"/>
+                <a16:creationId xmlns:a16="http://schemas.microsoft.com/office/drawing/2014/main" xmlns="" id="{E32C434F-B2C0-4B77-9E00-85641E725879}"/>
               </a:ext>
             </a:extLst>
           </p:cNvPr>
@@ -18643,7 +18643,7 @@
           <p:cNvPr id="30" name="Group 29">
             <a:extLst>
               <a:ext uri="{FF2B5EF4-FFF2-40B4-BE49-F238E27FC236}">
-                <a16:creationId xmlns:a16="http://schemas.microsoft.com/office/drawing/2014/main" id="{8613A6BF-A727-440C-9F29-2A40F0EDD429}"/>
+                <a16:creationId xmlns:a16="http://schemas.microsoft.com/office/drawing/2014/main" xmlns="" id="{8613A6BF-A727-440C-9F29-2A40F0EDD429}"/>
               </a:ext>
             </a:extLst>
           </p:cNvPr>
@@ -18663,7 +18663,7 @@
             <p:cNvPr id="31" name="TextBox 30">
               <a:extLst>
                 <a:ext uri="{FF2B5EF4-FFF2-40B4-BE49-F238E27FC236}">
-                  <a16:creationId xmlns:a16="http://schemas.microsoft.com/office/drawing/2014/main" id="{071C9039-7C17-4791-9AF9-27471729C9B0}"/>
+                  <a16:creationId xmlns:a16="http://schemas.microsoft.com/office/drawing/2014/main" xmlns="" id="{071C9039-7C17-4791-9AF9-27471729C9B0}"/>
                 </a:ext>
               </a:extLst>
             </p:cNvPr>
@@ -18702,7 +18702,7 @@
             <p:cNvPr id="32" name="TextBox 31">
               <a:extLst>
                 <a:ext uri="{FF2B5EF4-FFF2-40B4-BE49-F238E27FC236}">
-                  <a16:creationId xmlns:a16="http://schemas.microsoft.com/office/drawing/2014/main" id="{9D715335-6E64-48F8-8B4D-8A9A420390C3}"/>
+                  <a16:creationId xmlns:a16="http://schemas.microsoft.com/office/drawing/2014/main" xmlns="" id="{9D715335-6E64-48F8-8B4D-8A9A420390C3}"/>
                 </a:ext>
               </a:extLst>
             </p:cNvPr>
@@ -18750,7 +18750,7 @@
           <p:cNvPr id="36" name="TextBox 35">
             <a:extLst>
               <a:ext uri="{FF2B5EF4-FFF2-40B4-BE49-F238E27FC236}">
-                <a16:creationId xmlns:a16="http://schemas.microsoft.com/office/drawing/2014/main" id="{38330047-2265-4AD4-9DB7-A6F56C75DBAD}"/>
+                <a16:creationId xmlns:a16="http://schemas.microsoft.com/office/drawing/2014/main" xmlns="" id="{38330047-2265-4AD4-9DB7-A6F56C75DBAD}"/>
               </a:ext>
             </a:extLst>
           </p:cNvPr>
